--- a/Group-21.pptx
+++ b/Group-21.pptx
@@ -205,7 +205,7 @@
           <a:p>
             <a:fld id="{9C1EF4F0-F91B-A74E-A2B2-80F209E9FD3C}" type="datetimeFigureOut">
               <a:rPr lang="en-US" smtClean="0"/>
-              <a:t>11/6/2020</a:t>
+              <a:t>1/23/2021</a:t>
             </a:fld>
             <a:endParaRPr lang="en-US"/>
           </a:p>
@@ -4608,12 +4608,31 @@
           <a:p>
             <a:pPr algn="ctr"/>
             <a:r>
+              <a:rPr lang="en-US" sz="2400">
+                <a:solidFill>
+                  <a:schemeClr val="bg1"/>
+                </a:solidFill>
+              </a:rPr>
+              <a:t>Shubham Patel 	AU1940155</a:t>
+            </a:r>
+          </a:p>
+          <a:p>
+            <a:pPr algn="ctr"/>
+            <a:r>
+              <a:rPr lang="en-US" sz="2400" dirty="0" err="1">
+                <a:solidFill>
+                  <a:schemeClr val="bg1"/>
+                </a:solidFill>
+              </a:rPr>
+              <a:t>Shrey</a:t>
+            </a:r>
+            <a:r>
               <a:rPr lang="en-US" sz="2400" dirty="0">
                 <a:solidFill>
                   <a:schemeClr val="bg1"/>
                 </a:solidFill>
               </a:rPr>
-              <a:t>Shrey Patel 		AU1940110</a:t>
+              <a:t> Patel 		AU1940110</a:t>
             </a:r>
           </a:p>
           <a:p>
@@ -4630,23 +4649,20 @@
           <a:p>
             <a:pPr algn="ctr"/>
             <a:r>
+              <a:rPr lang="en-US" sz="2400" dirty="0" err="1">
+                <a:solidFill>
+                  <a:schemeClr val="bg1"/>
+                </a:solidFill>
+              </a:rPr>
+              <a:t>Vedant</a:t>
+            </a:r>
+            <a:r>
               <a:rPr lang="en-US" sz="2400" dirty="0">
                 <a:solidFill>
                   <a:schemeClr val="bg1"/>
                 </a:solidFill>
               </a:rPr>
-              <a:t>Shubham Patel 	AU1940155</a:t>
-            </a:r>
-          </a:p>
-          <a:p>
-            <a:pPr algn="ctr"/>
-            <a:r>
-              <a:rPr lang="en-US" sz="2400" dirty="0">
-                <a:solidFill>
-                  <a:schemeClr val="bg1"/>
-                </a:solidFill>
-              </a:rPr>
-              <a:t>Vedant Thakore 	AU1940122</a:t>
+              <a:t> Thakore 	AU1940122</a:t>
             </a:r>
             <a:endParaRPr lang="en-IN" sz="2400" dirty="0">
               <a:solidFill>
